--- a/Documentos/Personas-Desafios.pptx
+++ b/Documentos/Personas-Desafios.pptx
@@ -249,7 +249,7 @@
           <a:p>
             <a:fld id="{170F90BE-4133-49B3-8284-D763CDF1EA72}" type="datetimeFigureOut">
               <a:rPr lang="pt-BR" smtClean="0"/>
-              <a:t>02/12/2019</a:t>
+              <a:t>08/03/2020</a:t>
             </a:fld>
             <a:endParaRPr lang="pt-BR"/>
           </a:p>
@@ -419,7 +419,7 @@
           <a:p>
             <a:fld id="{170F90BE-4133-49B3-8284-D763CDF1EA72}" type="datetimeFigureOut">
               <a:rPr lang="pt-BR" smtClean="0"/>
-              <a:t>02/12/2019</a:t>
+              <a:t>08/03/2020</a:t>
             </a:fld>
             <a:endParaRPr lang="pt-BR"/>
           </a:p>
@@ -599,7 +599,7 @@
           <a:p>
             <a:fld id="{170F90BE-4133-49B3-8284-D763CDF1EA72}" type="datetimeFigureOut">
               <a:rPr lang="pt-BR" smtClean="0"/>
-              <a:t>02/12/2019</a:t>
+              <a:t>08/03/2020</a:t>
             </a:fld>
             <a:endParaRPr lang="pt-BR"/>
           </a:p>
@@ -769,7 +769,7 @@
           <a:p>
             <a:fld id="{170F90BE-4133-49B3-8284-D763CDF1EA72}" type="datetimeFigureOut">
               <a:rPr lang="pt-BR" smtClean="0"/>
-              <a:t>02/12/2019</a:t>
+              <a:t>08/03/2020</a:t>
             </a:fld>
             <a:endParaRPr lang="pt-BR"/>
           </a:p>
@@ -1015,7 +1015,7 @@
           <a:p>
             <a:fld id="{170F90BE-4133-49B3-8284-D763CDF1EA72}" type="datetimeFigureOut">
               <a:rPr lang="pt-BR" smtClean="0"/>
-              <a:t>02/12/2019</a:t>
+              <a:t>08/03/2020</a:t>
             </a:fld>
             <a:endParaRPr lang="pt-BR"/>
           </a:p>
@@ -1247,7 +1247,7 @@
           <a:p>
             <a:fld id="{170F90BE-4133-49B3-8284-D763CDF1EA72}" type="datetimeFigureOut">
               <a:rPr lang="pt-BR" smtClean="0"/>
-              <a:t>02/12/2019</a:t>
+              <a:t>08/03/2020</a:t>
             </a:fld>
             <a:endParaRPr lang="pt-BR"/>
           </a:p>
@@ -1614,7 +1614,7 @@
           <a:p>
             <a:fld id="{170F90BE-4133-49B3-8284-D763CDF1EA72}" type="datetimeFigureOut">
               <a:rPr lang="pt-BR" smtClean="0"/>
-              <a:t>02/12/2019</a:t>
+              <a:t>08/03/2020</a:t>
             </a:fld>
             <a:endParaRPr lang="pt-BR"/>
           </a:p>
@@ -1732,7 +1732,7 @@
           <a:p>
             <a:fld id="{170F90BE-4133-49B3-8284-D763CDF1EA72}" type="datetimeFigureOut">
               <a:rPr lang="pt-BR" smtClean="0"/>
-              <a:t>02/12/2019</a:t>
+              <a:t>08/03/2020</a:t>
             </a:fld>
             <a:endParaRPr lang="pt-BR"/>
           </a:p>
@@ -1827,7 +1827,7 @@
           <a:p>
             <a:fld id="{170F90BE-4133-49B3-8284-D763CDF1EA72}" type="datetimeFigureOut">
               <a:rPr lang="pt-BR" smtClean="0"/>
-              <a:t>02/12/2019</a:t>
+              <a:t>08/03/2020</a:t>
             </a:fld>
             <a:endParaRPr lang="pt-BR"/>
           </a:p>
@@ -2104,7 +2104,7 @@
           <a:p>
             <a:fld id="{170F90BE-4133-49B3-8284-D763CDF1EA72}" type="datetimeFigureOut">
               <a:rPr lang="pt-BR" smtClean="0"/>
-              <a:t>02/12/2019</a:t>
+              <a:t>08/03/2020</a:t>
             </a:fld>
             <a:endParaRPr lang="pt-BR"/>
           </a:p>
@@ -2357,7 +2357,7 @@
           <a:p>
             <a:fld id="{170F90BE-4133-49B3-8284-D763CDF1EA72}" type="datetimeFigureOut">
               <a:rPr lang="pt-BR" smtClean="0"/>
-              <a:t>02/12/2019</a:t>
+              <a:t>08/03/2020</a:t>
             </a:fld>
             <a:endParaRPr lang="pt-BR"/>
           </a:p>
@@ -2570,7 +2570,7 @@
           <a:p>
             <a:fld id="{170F90BE-4133-49B3-8284-D763CDF1EA72}" type="datetimeFigureOut">
               <a:rPr lang="pt-BR" smtClean="0"/>
-              <a:t>02/12/2019</a:t>
+              <a:t>08/03/2020</a:t>
             </a:fld>
             <a:endParaRPr lang="pt-BR"/>
           </a:p>
